--- a/Capstone 2/Capstone 2 Presentation.pptx
+++ b/Capstone 2/Capstone 2 Presentation.pptx
@@ -18759,7 +18759,7 @@
           </a:p>
           <a:p>
             <a:r>
-              <a:rPr lang="en-US">
+              <a:rPr lang="en-US" dirty="0">
                 <a:solidFill>
                   <a:schemeClr val="tx1">
                     <a:lumMod val="85000"/>
@@ -22260,7 +22260,7 @@
           <p:nvPr>
             <p:extLst>
               <p:ext uri="{D42A27DB-BD31-4B8C-83A1-F6EECF244321}">
-                <p14:modId xmlns:p14="http://schemas.microsoft.com/office/powerpoint/2010/main" val="23203945"/>
+                <p14:modId xmlns:p14="http://schemas.microsoft.com/office/powerpoint/2010/main" val="1249435924"/>
               </p:ext>
             </p:extLst>
           </p:nvPr>
@@ -22400,12 +22400,12 @@
                         </a:spcAft>
                       </a:pPr>
                       <a:r>
-                        <a:rPr lang="en-US" sz="2300" b="0">
+                        <a:rPr lang="en-US" sz="2300" b="0" dirty="0">
                           <a:effectLst/>
                         </a:rPr>
-                        <a:t>23</a:t>
+                        <a:t>11</a:t>
                       </a:r>
-                      <a:endParaRPr lang="en-US" sz="2300" b="0">
+                      <a:endParaRPr lang="en-US" sz="2300" b="0" dirty="0">
                         <a:effectLst/>
                         <a:latin typeface="Calibri" panose="020F0502020204030204" pitchFamily="34" charset="0"/>
                         <a:ea typeface="Calibri" panose="020F0502020204030204" pitchFamily="34" charset="0"/>
@@ -22436,12 +22436,12 @@
                         </a:spcAft>
                       </a:pPr>
                       <a:r>
-                        <a:rPr lang="en-US" sz="2300" b="0">
+                        <a:rPr lang="en-US" sz="2300" b="0" dirty="0">
                           <a:effectLst/>
                         </a:rPr>
                         <a:t>Eminem</a:t>
                       </a:r>
-                      <a:endParaRPr lang="en-US" sz="2300" b="0">
+                      <a:endParaRPr lang="en-US" sz="2300" b="0" dirty="0">
                         <a:effectLst/>
                         <a:latin typeface="Calibri" panose="020F0502020204030204" pitchFamily="34" charset="0"/>
                         <a:ea typeface="Calibri" panose="020F0502020204030204" pitchFamily="34" charset="0"/>
@@ -22465,12 +22465,12 @@
                         </a:spcAft>
                       </a:pPr>
                       <a:r>
-                        <a:rPr lang="en-US" sz="2300" b="0">
+                        <a:rPr lang="en-US" sz="2300" b="0" dirty="0">
                           <a:effectLst/>
                         </a:rPr>
-                        <a:t>23</a:t>
+                        <a:t>11</a:t>
                       </a:r>
-                      <a:endParaRPr lang="en-US" sz="2300" b="0">
+                      <a:endParaRPr lang="en-US" sz="2300" b="0" dirty="0">
                         <a:effectLst/>
                         <a:latin typeface="Calibri" panose="020F0502020204030204" pitchFamily="34" charset="0"/>
                         <a:ea typeface="Calibri" panose="020F0502020204030204" pitchFamily="34" charset="0"/>
@@ -22501,12 +22501,12 @@
                         </a:spcAft>
                       </a:pPr>
                       <a:r>
-                        <a:rPr lang="en-US" sz="2300" b="0">
+                        <a:rPr lang="en-US" sz="2300" b="0" dirty="0">
                           <a:effectLst/>
                         </a:rPr>
                         <a:t>Taylor Swift</a:t>
                       </a:r>
-                      <a:endParaRPr lang="en-US" sz="2300" b="0">
+                      <a:endParaRPr lang="en-US" sz="2300" b="0" dirty="0">
                         <a:effectLst/>
                         <a:latin typeface="Calibri" panose="020F0502020204030204" pitchFamily="34" charset="0"/>
                         <a:ea typeface="Calibri" panose="020F0502020204030204" pitchFamily="34" charset="0"/>
@@ -22530,12 +22530,12 @@
                         </a:spcAft>
                       </a:pPr>
                       <a:r>
-                        <a:rPr lang="en-US" sz="2300" b="0">
+                        <a:rPr lang="en-US" sz="2300" b="0" dirty="0">
                           <a:effectLst/>
                         </a:rPr>
-                        <a:t>13</a:t>
+                        <a:t>9</a:t>
                       </a:r>
-                      <a:endParaRPr lang="en-US" sz="2300" b="0">
+                      <a:endParaRPr lang="en-US" sz="2300" b="0" dirty="0">
                         <a:effectLst/>
                         <a:latin typeface="Calibri" panose="020F0502020204030204" pitchFamily="34" charset="0"/>
                         <a:ea typeface="Calibri" panose="020F0502020204030204" pitchFamily="34" charset="0"/>
@@ -22595,12 +22595,12 @@
                         </a:spcAft>
                       </a:pPr>
                       <a:r>
-                        <a:rPr lang="en-US" sz="2300" b="0">
+                        <a:rPr lang="en-US" sz="2300" b="0" dirty="0">
                           <a:effectLst/>
                         </a:rPr>
-                        <a:t>13</a:t>
+                        <a:t>21</a:t>
                       </a:r>
-                      <a:endParaRPr lang="en-US" sz="2300" b="0">
+                      <a:endParaRPr lang="en-US" sz="2300" b="0" dirty="0">
                         <a:effectLst/>
                         <a:latin typeface="Calibri" panose="020F0502020204030204" pitchFamily="34" charset="0"/>
                         <a:ea typeface="Calibri" panose="020F0502020204030204" pitchFamily="34" charset="0"/>
@@ -22660,12 +22660,12 @@
                         </a:spcAft>
                       </a:pPr>
                       <a:r>
-                        <a:rPr lang="en-US" sz="2300" b="0">
+                        <a:rPr lang="en-US" sz="2300" b="0" dirty="0">
                           <a:effectLst/>
                         </a:rPr>
-                        <a:t>0</a:t>
+                        <a:t>9</a:t>
                       </a:r>
-                      <a:endParaRPr lang="en-US" sz="2300" b="0">
+                      <a:endParaRPr lang="en-US" sz="2300" b="0" dirty="0">
                         <a:effectLst/>
                         <a:latin typeface="Calibri" panose="020F0502020204030204" pitchFamily="34" charset="0"/>
                         <a:ea typeface="Calibri" panose="020F0502020204030204" pitchFamily="34" charset="0"/>
@@ -22725,12 +22725,12 @@
                         </a:spcAft>
                       </a:pPr>
                       <a:r>
-                        <a:rPr lang="en-US" sz="2300" b="0">
+                        <a:rPr lang="en-US" sz="2300" b="0" dirty="0">
                           <a:effectLst/>
                         </a:rPr>
-                        <a:t>6</a:t>
+                        <a:t>5</a:t>
                       </a:r>
-                      <a:endParaRPr lang="en-US" sz="2300" b="0">
+                      <a:endParaRPr lang="en-US" sz="2300" b="0" dirty="0">
                         <a:effectLst/>
                         <a:latin typeface="Calibri" panose="020F0502020204030204" pitchFamily="34" charset="0"/>
                         <a:ea typeface="Calibri" panose="020F0502020204030204" pitchFamily="34" charset="0"/>
@@ -22790,12 +22790,12 @@
                         </a:spcAft>
                       </a:pPr>
                       <a:r>
-                        <a:rPr lang="en-US" sz="2300" b="0">
+                        <a:rPr lang="en-US" sz="2300" b="0" dirty="0">
                           <a:effectLst/>
                         </a:rPr>
-                        <a:t>16</a:t>
+                        <a:t>5</a:t>
                       </a:r>
-                      <a:endParaRPr lang="en-US" sz="2300" b="0">
+                      <a:endParaRPr lang="en-US" sz="2300" b="0" dirty="0">
                         <a:effectLst/>
                         <a:latin typeface="Calibri" panose="020F0502020204030204" pitchFamily="34" charset="0"/>
                         <a:ea typeface="Calibri" panose="020F0502020204030204" pitchFamily="34" charset="0"/>
@@ -23893,10 +23893,10 @@
       </p:sp>
       <p:pic>
         <p:nvPicPr>
-          <p:cNvPr id="6" name="Picture 5" descr="Chart, scatter chart&#10;&#10;Description automatically generated">
+          <p:cNvPr id="14" name="Picture 13" descr="Chart, scatter chart&#10;&#10;Description automatically generated">
             <a:extLst>
               <a:ext uri="{FF2B5EF4-FFF2-40B4-BE49-F238E27FC236}">
-                <a16:creationId xmlns:a16="http://schemas.microsoft.com/office/drawing/2014/main" id="{9E151346-C7DA-7C4E-B9D4-28B73206D12B}"/>
+                <a16:creationId xmlns:a16="http://schemas.microsoft.com/office/drawing/2014/main" id="{2B56BF9E-FBAE-E44C-8C51-CD57CE61EE57}"/>
               </a:ext>
             </a:extLst>
           </p:cNvPr>
@@ -23904,7 +23904,7 @@
           <p:nvPr/>
         </p:nvPicPr>
         <p:blipFill>
-          <a:blip r:embed="rId2" cstate="print">
+          <a:blip r:embed="rId2">
             <a:extLst>
               <a:ext uri="{28A0092B-C50C-407E-A947-70E740481C1C}">
                 <a14:useLocalDpi xmlns:a14="http://schemas.microsoft.com/office/drawing/2010/main" val="0"/>
@@ -23917,13 +23917,12 @@
         </p:blipFill>
         <p:spPr>
           <a:xfrm>
-            <a:off x="6125068" y="2548281"/>
-            <a:ext cx="5385323" cy="3662018"/>
+            <a:off x="6009968" y="2402308"/>
+            <a:ext cx="5943600" cy="3951605"/>
           </a:xfrm>
           <a:prstGeom prst="rect">
             <a:avLst/>
           </a:prstGeom>
-          <a:effectLst/>
         </p:spPr>
       </p:pic>
     </p:spTree>
@@ -24869,7 +24868,7 @@
         <p:spPr>
           <a:xfrm>
             <a:off x="643855" y="2548281"/>
-            <a:ext cx="5114093" cy="3654389"/>
+            <a:ext cx="7251916" cy="3654389"/>
           </a:xfrm>
         </p:spPr>
         <p:txBody>
@@ -25001,10 +25000,10 @@
       </p:sp>
       <p:pic>
         <p:nvPicPr>
-          <p:cNvPr id="7" name="Picture 6" descr="Chart, scatter chart&#10;&#10;Description automatically generated">
+          <p:cNvPr id="13" name="Picture 12" descr="Chart, scatter chart&#10;&#10;Description automatically generated">
             <a:extLst>
               <a:ext uri="{FF2B5EF4-FFF2-40B4-BE49-F238E27FC236}">
-                <a16:creationId xmlns:a16="http://schemas.microsoft.com/office/drawing/2014/main" id="{B695CC20-FB3C-D74E-AEB0-10434B135B0D}"/>
+                <a16:creationId xmlns:a16="http://schemas.microsoft.com/office/drawing/2014/main" id="{240999C7-0C14-5447-A914-8A8D7B5B1B2D}"/>
               </a:ext>
             </a:extLst>
           </p:cNvPr>
@@ -25012,7 +25011,7 @@
           <p:nvPr/>
         </p:nvPicPr>
         <p:blipFill>
-          <a:blip r:embed="rId3" cstate="print">
+          <a:blip r:embed="rId3">
             <a:extLst>
               <a:ext uri="{28A0092B-C50C-407E-A947-70E740481C1C}">
                 <a14:useLocalDpi xmlns:a14="http://schemas.microsoft.com/office/drawing/2010/main" val="0"/>
@@ -25025,21 +25024,20 @@
         </p:blipFill>
         <p:spPr>
           <a:xfrm>
-            <a:off x="6091917" y="3495678"/>
-            <a:ext cx="2627842" cy="1767223"/>
+            <a:off x="8056227" y="3969253"/>
+            <a:ext cx="3842266" cy="2634990"/>
           </a:xfrm>
           <a:prstGeom prst="rect">
             <a:avLst/>
           </a:prstGeom>
-          <a:effectLst/>
         </p:spPr>
       </p:pic>
       <p:pic>
         <p:nvPicPr>
-          <p:cNvPr id="5" name="Picture 4" descr="Chart, scatter chart&#10;&#10;Description automatically generated">
+          <p:cNvPr id="15" name="Picture 14" descr="Chart, scatter chart&#10;&#10;Description automatically generated">
             <a:extLst>
               <a:ext uri="{FF2B5EF4-FFF2-40B4-BE49-F238E27FC236}">
-                <a16:creationId xmlns:a16="http://schemas.microsoft.com/office/drawing/2014/main" id="{477BA964-0945-4645-8861-40B941444AE5}"/>
+                <a16:creationId xmlns:a16="http://schemas.microsoft.com/office/drawing/2014/main" id="{7A16A49C-0A70-CC4B-BC74-0287BC1FA878}"/>
               </a:ext>
             </a:extLst>
           </p:cNvPr>
@@ -25047,7 +25045,7 @@
           <p:nvPr/>
         </p:nvPicPr>
         <p:blipFill>
-          <a:blip r:embed="rId4" cstate="print">
+          <a:blip r:embed="rId4">
             <a:extLst>
               <a:ext uri="{28A0092B-C50C-407E-A947-70E740481C1C}">
                 <a14:useLocalDpi xmlns:a14="http://schemas.microsoft.com/office/drawing/2010/main" val="0"/>
@@ -25060,13 +25058,12 @@
         </p:blipFill>
         <p:spPr>
           <a:xfrm>
-            <a:off x="8915701" y="3518672"/>
-            <a:ext cx="2627842" cy="1721236"/>
+            <a:off x="8056227" y="1328635"/>
+            <a:ext cx="3842264" cy="2611590"/>
           </a:xfrm>
           <a:prstGeom prst="rect">
             <a:avLst/>
           </a:prstGeom>
-          <a:effectLst/>
         </p:spPr>
       </p:pic>
     </p:spTree>
@@ -26104,8 +26101,8 @@
         </p:nvSpPr>
         <p:spPr>
           <a:xfrm>
-            <a:off x="648931" y="2548281"/>
-            <a:ext cx="5122606" cy="3658689"/>
+            <a:off x="648930" y="2548281"/>
+            <a:ext cx="5229355" cy="3658689"/>
           </a:xfrm>
         </p:spPr>
         <p:txBody>
@@ -26182,10 +26179,10 @@
       </p:sp>
       <p:pic>
         <p:nvPicPr>
-          <p:cNvPr id="16" name="Picture 15" descr="A picture containing scatter chart&#10;&#10;Description automatically generated">
+          <p:cNvPr id="13" name="Picture 12" descr="Chart, scatter chart&#10;&#10;Description automatically generated">
             <a:extLst>
               <a:ext uri="{FF2B5EF4-FFF2-40B4-BE49-F238E27FC236}">
-                <a16:creationId xmlns:a16="http://schemas.microsoft.com/office/drawing/2014/main" id="{B45525B9-7651-594D-803A-A1922E1D4D1C}"/>
+                <a16:creationId xmlns:a16="http://schemas.microsoft.com/office/drawing/2014/main" id="{8C0A59D6-C4F1-3243-84FB-DC67DE378529}"/>
               </a:ext>
             </a:extLst>
           </p:cNvPr>
@@ -26206,13 +26203,12 @@
         </p:blipFill>
         <p:spPr>
           <a:xfrm>
-            <a:off x="6091916" y="2989126"/>
-            <a:ext cx="5451627" cy="2780328"/>
+            <a:off x="6009968" y="2402308"/>
+            <a:ext cx="5943600" cy="3519170"/>
           </a:xfrm>
           <a:prstGeom prst="rect">
             <a:avLst/>
           </a:prstGeom>
-          <a:effectLst/>
         </p:spPr>
       </p:pic>
     </p:spTree>

--- a/Capstone 2/Capstone 2 Presentation.pptx
+++ b/Capstone 2/Capstone 2 Presentation.pptx
@@ -19,7 +19,8 @@
     <p:sldId id="276" r:id="rId13"/>
     <p:sldId id="261" r:id="rId14"/>
     <p:sldId id="280" r:id="rId15"/>
-    <p:sldId id="263" r:id="rId16"/>
+    <p:sldId id="281" r:id="rId16"/>
+    <p:sldId id="263" r:id="rId17"/>
   </p:sldIdLst>
   <p:sldSz cx="12192000" cy="6858000"/>
   <p:notesSz cx="6858000" cy="9144000"/>
@@ -24990,6 +24991,18 @@
                 <a:spcPct val="90000"/>
               </a:lnSpc>
             </a:pPr>
+            <a:endParaRPr lang="en-US" sz="1900" dirty="0">
+              <a:solidFill>
+                <a:schemeClr val="bg1"/>
+              </a:solidFill>
+            </a:endParaRPr>
+          </a:p>
+          <a:p>
+            <a:pPr>
+              <a:lnSpc>
+                <a:spcPct val="90000"/>
+              </a:lnSpc>
+            </a:pPr>
             <a:endParaRPr lang="en-US" sz="1700" dirty="0">
               <a:solidFill>
                 <a:schemeClr val="bg1"/>
@@ -25080,6 +25093,1480 @@
 </file>
 
 <file path=ppt/slides/slide15.xml><?xml version="1.0" encoding="utf-8"?>
+<p:sld xmlns:a="http://schemas.openxmlformats.org/drawingml/2006/main" xmlns:r="http://schemas.openxmlformats.org/officeDocument/2006/relationships" xmlns:p="http://schemas.openxmlformats.org/presentationml/2006/main">
+  <p:cSld>
+    <p:bg>
+      <p:bgPr>
+        <a:blipFill rotWithShape="1">
+          <a:blip r:embed="rId2">
+            <a:duotone>
+              <a:schemeClr val="bg2">
+                <a:shade val="69000"/>
+                <a:hueMod val="108000"/>
+                <a:satMod val="164000"/>
+                <a:lumMod val="74000"/>
+              </a:schemeClr>
+              <a:schemeClr val="bg2">
+                <a:tint val="96000"/>
+                <a:hueMod val="88000"/>
+                <a:satMod val="140000"/>
+                <a:lumMod val="132000"/>
+              </a:schemeClr>
+            </a:duotone>
+          </a:blip>
+          <a:stretch/>
+        </a:blipFill>
+        <a:effectLst/>
+      </p:bgPr>
+    </p:bg>
+    <p:spTree>
+      <p:nvGrpSpPr>
+        <p:cNvPr id="1" name=""/>
+        <p:cNvGrpSpPr/>
+        <p:nvPr/>
+      </p:nvGrpSpPr>
+      <p:grpSpPr>
+        <a:xfrm>
+          <a:off x="0" y="0"/>
+          <a:ext cx="0" cy="0"/>
+          <a:chOff x="0" y="0"/>
+          <a:chExt cx="0" cy="0"/>
+        </a:xfrm>
+      </p:grpSpPr>
+      <p:sp>
+        <p:nvSpPr>
+          <p:cNvPr id="12" name="Freeform: Shape 11">
+            <a:extLst>
+              <a:ext uri="{FF2B5EF4-FFF2-40B4-BE49-F238E27FC236}">
+                <a16:creationId xmlns:a16="http://schemas.microsoft.com/office/drawing/2014/main" id="{A10049FB-9EB9-40A5-B47A-F88DBA104808}"/>
+              </a:ext>
+              <a:ext uri="{C183D7F6-B498-43B3-948B-1728B52AA6E4}">
+                <adec:decorative xmlns:adec="http://schemas.microsoft.com/office/drawing/2017/decorative" val="1"/>
+              </a:ext>
+            </a:extLst>
+          </p:cNvPr>
+          <p:cNvSpPr>
+            <a:spLocks noGrp="1" noRot="1" noChangeAspect="1" noMove="1" noResize="1" noEditPoints="1" noAdjustHandles="1" noChangeArrowheads="1" noChangeShapeType="1" noTextEdit="1"/>
+          </p:cNvSpPr>
+          <p:nvPr>
+            <p:extLst>
+              <p:ext uri="{386F3935-93C4-4BCD-93E2-E3B085C9AB24}">
+                <p16:designElem xmlns:p16="http://schemas.microsoft.com/office/powerpoint/2015/main" val="1"/>
+              </p:ext>
+            </p:extLst>
+          </p:nvPr>
+        </p:nvSpPr>
+        <p:spPr bwMode="gray">
+          <a:xfrm>
+            <a:off x="1" y="1762067"/>
+            <a:ext cx="12192417" cy="5095933"/>
+          </a:xfrm>
+          <a:custGeom>
+            <a:avLst/>
+            <a:gdLst>
+              <a:gd name="connsiteX0" fmla="*/ 0 w 12192417"/>
+              <a:gd name="connsiteY0" fmla="*/ 0 h 5095933"/>
+              <a:gd name="connsiteX1" fmla="*/ 71931 w 12192417"/>
+              <a:gd name="connsiteY1" fmla="*/ 12261 h 5095933"/>
+              <a:gd name="connsiteX2" fmla="*/ 282848 w 12192417"/>
+              <a:gd name="connsiteY2" fmla="*/ 48343 h 5095933"/>
+              <a:gd name="connsiteX3" fmla="*/ 436463 w 12192417"/>
+              <a:gd name="connsiteY3" fmla="*/ 73565 h 5095933"/>
+              <a:gd name="connsiteX4" fmla="*/ 619338 w 12192417"/>
+              <a:gd name="connsiteY4" fmla="*/ 100188 h 5095933"/>
+              <a:gd name="connsiteX5" fmla="*/ 836350 w 12192417"/>
+              <a:gd name="connsiteY5" fmla="*/ 132066 h 5095933"/>
+              <a:gd name="connsiteX6" fmla="*/ 1076527 w 12192417"/>
+              <a:gd name="connsiteY6" fmla="*/ 165696 h 5095933"/>
+              <a:gd name="connsiteX7" fmla="*/ 1347183 w 12192417"/>
+              <a:gd name="connsiteY7" fmla="*/ 201077 h 5095933"/>
+              <a:gd name="connsiteX8" fmla="*/ 1642222 w 12192417"/>
+              <a:gd name="connsiteY8" fmla="*/ 238560 h 5095933"/>
+              <a:gd name="connsiteX9" fmla="*/ 1962863 w 12192417"/>
+              <a:gd name="connsiteY9" fmla="*/ 276043 h 5095933"/>
+              <a:gd name="connsiteX10" fmla="*/ 2304231 w 12192417"/>
+              <a:gd name="connsiteY10" fmla="*/ 314227 h 5095933"/>
+              <a:gd name="connsiteX11" fmla="*/ 2672420 w 12192417"/>
+              <a:gd name="connsiteY11" fmla="*/ 349608 h 5095933"/>
+              <a:gd name="connsiteX12" fmla="*/ 3057677 w 12192417"/>
+              <a:gd name="connsiteY12" fmla="*/ 383588 h 5095933"/>
+              <a:gd name="connsiteX13" fmla="*/ 3464880 w 12192417"/>
+              <a:gd name="connsiteY13" fmla="*/ 414415 h 5095933"/>
+              <a:gd name="connsiteX14" fmla="*/ 3889151 w 12192417"/>
+              <a:gd name="connsiteY14" fmla="*/ 443841 h 5095933"/>
+              <a:gd name="connsiteX15" fmla="*/ 4331709 w 12192417"/>
+              <a:gd name="connsiteY15" fmla="*/ 471515 h 5095933"/>
+              <a:gd name="connsiteX16" fmla="*/ 4558475 w 12192417"/>
+              <a:gd name="connsiteY16" fmla="*/ 481324 h 5095933"/>
+              <a:gd name="connsiteX17" fmla="*/ 4790117 w 12192417"/>
+              <a:gd name="connsiteY17" fmla="*/ 492183 h 5095933"/>
+              <a:gd name="connsiteX18" fmla="*/ 5025417 w 12192417"/>
+              <a:gd name="connsiteY18" fmla="*/ 502342 h 5095933"/>
+              <a:gd name="connsiteX19" fmla="*/ 5261936 w 12192417"/>
+              <a:gd name="connsiteY19" fmla="*/ 508998 h 5095933"/>
+              <a:gd name="connsiteX20" fmla="*/ 5503331 w 12192417"/>
+              <a:gd name="connsiteY20" fmla="*/ 514953 h 5095933"/>
+              <a:gd name="connsiteX21" fmla="*/ 5747166 w 12192417"/>
+              <a:gd name="connsiteY21" fmla="*/ 521259 h 5095933"/>
+              <a:gd name="connsiteX22" fmla="*/ 5995876 w 12192417"/>
+              <a:gd name="connsiteY22" fmla="*/ 525463 h 5095933"/>
+              <a:gd name="connsiteX23" fmla="*/ 6247025 w 12192417"/>
+              <a:gd name="connsiteY23" fmla="*/ 525463 h 5095933"/>
+              <a:gd name="connsiteX24" fmla="*/ 6500612 w 12192417"/>
+              <a:gd name="connsiteY24" fmla="*/ 527565 h 5095933"/>
+              <a:gd name="connsiteX25" fmla="*/ 6756638 w 12192417"/>
+              <a:gd name="connsiteY25" fmla="*/ 525463 h 5095933"/>
+              <a:gd name="connsiteX26" fmla="*/ 7016321 w 12192417"/>
+              <a:gd name="connsiteY26" fmla="*/ 521259 h 5095933"/>
+              <a:gd name="connsiteX27" fmla="*/ 7276004 w 12192417"/>
+              <a:gd name="connsiteY27" fmla="*/ 517406 h 5095933"/>
+              <a:gd name="connsiteX28" fmla="*/ 7539344 w 12192417"/>
+              <a:gd name="connsiteY28" fmla="*/ 508998 h 5095933"/>
+              <a:gd name="connsiteX29" fmla="*/ 7805123 w 12192417"/>
+              <a:gd name="connsiteY29" fmla="*/ 500241 h 5095933"/>
+              <a:gd name="connsiteX30" fmla="*/ 8070902 w 12192417"/>
+              <a:gd name="connsiteY30" fmla="*/ 490082 h 5095933"/>
+              <a:gd name="connsiteX31" fmla="*/ 8339120 w 12192417"/>
+              <a:gd name="connsiteY31" fmla="*/ 475719 h 5095933"/>
+              <a:gd name="connsiteX32" fmla="*/ 8609775 w 12192417"/>
+              <a:gd name="connsiteY32" fmla="*/ 458554 h 5095933"/>
+              <a:gd name="connsiteX33" fmla="*/ 8881650 w 12192417"/>
+              <a:gd name="connsiteY33" fmla="*/ 442089 h 5095933"/>
+              <a:gd name="connsiteX34" fmla="*/ 9153525 w 12192417"/>
+              <a:gd name="connsiteY34" fmla="*/ 421071 h 5095933"/>
+              <a:gd name="connsiteX35" fmla="*/ 9429057 w 12192417"/>
+              <a:gd name="connsiteY35" fmla="*/ 395849 h 5095933"/>
+              <a:gd name="connsiteX36" fmla="*/ 9700932 w 12192417"/>
+              <a:gd name="connsiteY36" fmla="*/ 370626 h 5095933"/>
+              <a:gd name="connsiteX37" fmla="*/ 9977683 w 12192417"/>
+              <a:gd name="connsiteY37" fmla="*/ 341551 h 5095933"/>
+              <a:gd name="connsiteX38" fmla="*/ 10255654 w 12192417"/>
+              <a:gd name="connsiteY38" fmla="*/ 309673 h 5095933"/>
+              <a:gd name="connsiteX39" fmla="*/ 10529967 w 12192417"/>
+              <a:gd name="connsiteY39" fmla="*/ 276043 h 5095933"/>
+              <a:gd name="connsiteX40" fmla="*/ 10807938 w 12192417"/>
+              <a:gd name="connsiteY40" fmla="*/ 236809 h 5095933"/>
+              <a:gd name="connsiteX41" fmla="*/ 11084689 w 12192417"/>
+              <a:gd name="connsiteY41" fmla="*/ 194772 h 5095933"/>
+              <a:gd name="connsiteX42" fmla="*/ 11362660 w 12192417"/>
+              <a:gd name="connsiteY42" fmla="*/ 153085 h 5095933"/>
+              <a:gd name="connsiteX43" fmla="*/ 11639411 w 12192417"/>
+              <a:gd name="connsiteY43" fmla="*/ 104392 h 5095933"/>
+              <a:gd name="connsiteX44" fmla="*/ 11914944 w 12192417"/>
+              <a:gd name="connsiteY44" fmla="*/ 54648 h 5095933"/>
+              <a:gd name="connsiteX45" fmla="*/ 12191695 w 12192417"/>
+              <a:gd name="connsiteY45" fmla="*/ 2452 h 5095933"/>
+              <a:gd name="connsiteX46" fmla="*/ 12191695 w 12192417"/>
+              <a:gd name="connsiteY46" fmla="*/ 2162231 h 5095933"/>
+              <a:gd name="connsiteX47" fmla="*/ 12192417 w 12192417"/>
+              <a:gd name="connsiteY47" fmla="*/ 2162231 h 5095933"/>
+              <a:gd name="connsiteX48" fmla="*/ 12192417 w 12192417"/>
+              <a:gd name="connsiteY48" fmla="*/ 5095933 h 5095933"/>
+              <a:gd name="connsiteX49" fmla="*/ 0 w 12192417"/>
+              <a:gd name="connsiteY49" fmla="*/ 5095933 h 5095933"/>
+              <a:gd name="connsiteX50" fmla="*/ 0 w 12192417"/>
+              <a:gd name="connsiteY50" fmla="*/ 2791958 h 5095933"/>
+              <a:gd name="connsiteX51" fmla="*/ 0 w 12192417"/>
+              <a:gd name="connsiteY51" fmla="*/ 2162231 h 5095933"/>
+            </a:gdLst>
+            <a:ahLst/>
+            <a:cxnLst>
+              <a:cxn ang="0">
+                <a:pos x="connsiteX0" y="connsiteY0"/>
+              </a:cxn>
+              <a:cxn ang="0">
+                <a:pos x="connsiteX1" y="connsiteY1"/>
+              </a:cxn>
+              <a:cxn ang="0">
+                <a:pos x="connsiteX2" y="connsiteY2"/>
+              </a:cxn>
+              <a:cxn ang="0">
+                <a:pos x="connsiteX3" y="connsiteY3"/>
+              </a:cxn>
+              <a:cxn ang="0">
+                <a:pos x="connsiteX4" y="connsiteY4"/>
+              </a:cxn>
+              <a:cxn ang="0">
+                <a:pos x="connsiteX5" y="connsiteY5"/>
+              </a:cxn>
+              <a:cxn ang="0">
+                <a:pos x="connsiteX6" y="connsiteY6"/>
+              </a:cxn>
+              <a:cxn ang="0">
+                <a:pos x="connsiteX7" y="connsiteY7"/>
+              </a:cxn>
+              <a:cxn ang="0">
+                <a:pos x="connsiteX8" y="connsiteY8"/>
+              </a:cxn>
+              <a:cxn ang="0">
+                <a:pos x="connsiteX9" y="connsiteY9"/>
+              </a:cxn>
+              <a:cxn ang="0">
+                <a:pos x="connsiteX10" y="connsiteY10"/>
+              </a:cxn>
+              <a:cxn ang="0">
+                <a:pos x="connsiteX11" y="connsiteY11"/>
+              </a:cxn>
+              <a:cxn ang="0">
+                <a:pos x="connsiteX12" y="connsiteY12"/>
+              </a:cxn>
+              <a:cxn ang="0">
+                <a:pos x="connsiteX13" y="connsiteY13"/>
+              </a:cxn>
+              <a:cxn ang="0">
+                <a:pos x="connsiteX14" y="connsiteY14"/>
+              </a:cxn>
+              <a:cxn ang="0">
+                <a:pos x="connsiteX15" y="connsiteY15"/>
+              </a:cxn>
+              <a:cxn ang="0">
+                <a:pos x="connsiteX16" y="connsiteY16"/>
+              </a:cxn>
+              <a:cxn ang="0">
+                <a:pos x="connsiteX17" y="connsiteY17"/>
+              </a:cxn>
+              <a:cxn ang="0">
+                <a:pos x="connsiteX18" y="connsiteY18"/>
+              </a:cxn>
+              <a:cxn ang="0">
+                <a:pos x="connsiteX19" y="connsiteY19"/>
+              </a:cxn>
+              <a:cxn ang="0">
+                <a:pos x="connsiteX20" y="connsiteY20"/>
+              </a:cxn>
+              <a:cxn ang="0">
+                <a:pos x="connsiteX21" y="connsiteY21"/>
+              </a:cxn>
+              <a:cxn ang="0">
+                <a:pos x="connsiteX22" y="connsiteY22"/>
+              </a:cxn>
+              <a:cxn ang="0">
+                <a:pos x="connsiteX23" y="connsiteY23"/>
+              </a:cxn>
+              <a:cxn ang="0">
+                <a:pos x="connsiteX24" y="connsiteY24"/>
+              </a:cxn>
+              <a:cxn ang="0">
+                <a:pos x="connsiteX25" y="connsiteY25"/>
+              </a:cxn>
+              <a:cxn ang="0">
+                <a:pos x="connsiteX26" y="connsiteY26"/>
+              </a:cxn>
+              <a:cxn ang="0">
+                <a:pos x="connsiteX27" y="connsiteY27"/>
+              </a:cxn>
+              <a:cxn ang="0">
+                <a:pos x="connsiteX28" y="connsiteY28"/>
+              </a:cxn>
+              <a:cxn ang="0">
+                <a:pos x="connsiteX29" y="connsiteY29"/>
+              </a:cxn>
+              <a:cxn ang="0">
+                <a:pos x="connsiteX30" y="connsiteY30"/>
+              </a:cxn>
+              <a:cxn ang="0">
+                <a:pos x="connsiteX31" y="connsiteY31"/>
+              </a:cxn>
+              <a:cxn ang="0">
+                <a:pos x="connsiteX32" y="connsiteY32"/>
+              </a:cxn>
+              <a:cxn ang="0">
+                <a:pos x="connsiteX33" y="connsiteY33"/>
+              </a:cxn>
+              <a:cxn ang="0">
+                <a:pos x="connsiteX34" y="connsiteY34"/>
+              </a:cxn>
+              <a:cxn ang="0">
+                <a:pos x="connsiteX35" y="connsiteY35"/>
+              </a:cxn>
+              <a:cxn ang="0">
+                <a:pos x="connsiteX36" y="connsiteY36"/>
+              </a:cxn>
+              <a:cxn ang="0">
+                <a:pos x="connsiteX37" y="connsiteY37"/>
+              </a:cxn>
+              <a:cxn ang="0">
+                <a:pos x="connsiteX38" y="connsiteY38"/>
+              </a:cxn>
+              <a:cxn ang="0">
+                <a:pos x="connsiteX39" y="connsiteY39"/>
+              </a:cxn>
+              <a:cxn ang="0">
+                <a:pos x="connsiteX40" y="connsiteY40"/>
+              </a:cxn>
+              <a:cxn ang="0">
+                <a:pos x="connsiteX41" y="connsiteY41"/>
+              </a:cxn>
+              <a:cxn ang="0">
+                <a:pos x="connsiteX42" y="connsiteY42"/>
+              </a:cxn>
+              <a:cxn ang="0">
+                <a:pos x="connsiteX43" y="connsiteY43"/>
+              </a:cxn>
+              <a:cxn ang="0">
+                <a:pos x="connsiteX44" y="connsiteY44"/>
+              </a:cxn>
+              <a:cxn ang="0">
+                <a:pos x="connsiteX45" y="connsiteY45"/>
+              </a:cxn>
+              <a:cxn ang="0">
+                <a:pos x="connsiteX46" y="connsiteY46"/>
+              </a:cxn>
+              <a:cxn ang="0">
+                <a:pos x="connsiteX47" y="connsiteY47"/>
+              </a:cxn>
+              <a:cxn ang="0">
+                <a:pos x="connsiteX48" y="connsiteY48"/>
+              </a:cxn>
+              <a:cxn ang="0">
+                <a:pos x="connsiteX49" y="connsiteY49"/>
+              </a:cxn>
+              <a:cxn ang="0">
+                <a:pos x="connsiteX50" y="connsiteY50"/>
+              </a:cxn>
+              <a:cxn ang="0">
+                <a:pos x="connsiteX51" y="connsiteY51"/>
+              </a:cxn>
+            </a:cxnLst>
+            <a:rect l="l" t="t" r="r" b="b"/>
+            <a:pathLst>
+              <a:path w="12192417" h="5095933">
+                <a:moveTo>
+                  <a:pt x="0" y="0"/>
+                </a:moveTo>
+                <a:lnTo>
+                  <a:pt x="71931" y="12261"/>
+                </a:lnTo>
+                <a:lnTo>
+                  <a:pt x="282848" y="48343"/>
+                </a:lnTo>
+                <a:lnTo>
+                  <a:pt x="436463" y="73565"/>
+                </a:lnTo>
+                <a:lnTo>
+                  <a:pt x="619338" y="100188"/>
+                </a:lnTo>
+                <a:lnTo>
+                  <a:pt x="836350" y="132066"/>
+                </a:lnTo>
+                <a:lnTo>
+                  <a:pt x="1076527" y="165696"/>
+                </a:lnTo>
+                <a:lnTo>
+                  <a:pt x="1347183" y="201077"/>
+                </a:lnTo>
+                <a:lnTo>
+                  <a:pt x="1642222" y="238560"/>
+                </a:lnTo>
+                <a:lnTo>
+                  <a:pt x="1962863" y="276043"/>
+                </a:lnTo>
+                <a:lnTo>
+                  <a:pt x="2304231" y="314227"/>
+                </a:lnTo>
+                <a:lnTo>
+                  <a:pt x="2672420" y="349608"/>
+                </a:lnTo>
+                <a:lnTo>
+                  <a:pt x="3057677" y="383588"/>
+                </a:lnTo>
+                <a:lnTo>
+                  <a:pt x="3464880" y="414415"/>
+                </a:lnTo>
+                <a:lnTo>
+                  <a:pt x="3889151" y="443841"/>
+                </a:lnTo>
+                <a:lnTo>
+                  <a:pt x="4331709" y="471515"/>
+                </a:lnTo>
+                <a:lnTo>
+                  <a:pt x="4558475" y="481324"/>
+                </a:lnTo>
+                <a:lnTo>
+                  <a:pt x="4790117" y="492183"/>
+                </a:lnTo>
+                <a:lnTo>
+                  <a:pt x="5025417" y="502342"/>
+                </a:lnTo>
+                <a:lnTo>
+                  <a:pt x="5261936" y="508998"/>
+                </a:lnTo>
+                <a:lnTo>
+                  <a:pt x="5503331" y="514953"/>
+                </a:lnTo>
+                <a:lnTo>
+                  <a:pt x="5747166" y="521259"/>
+                </a:lnTo>
+                <a:lnTo>
+                  <a:pt x="5995876" y="525463"/>
+                </a:lnTo>
+                <a:lnTo>
+                  <a:pt x="6247025" y="525463"/>
+                </a:lnTo>
+                <a:lnTo>
+                  <a:pt x="6500612" y="527565"/>
+                </a:lnTo>
+                <a:lnTo>
+                  <a:pt x="6756638" y="525463"/>
+                </a:lnTo>
+                <a:lnTo>
+                  <a:pt x="7016321" y="521259"/>
+                </a:lnTo>
+                <a:lnTo>
+                  <a:pt x="7276004" y="517406"/>
+                </a:lnTo>
+                <a:lnTo>
+                  <a:pt x="7539344" y="508998"/>
+                </a:lnTo>
+                <a:lnTo>
+                  <a:pt x="7805123" y="500241"/>
+                </a:lnTo>
+                <a:lnTo>
+                  <a:pt x="8070902" y="490082"/>
+                </a:lnTo>
+                <a:lnTo>
+                  <a:pt x="8339120" y="475719"/>
+                </a:lnTo>
+                <a:lnTo>
+                  <a:pt x="8609775" y="458554"/>
+                </a:lnTo>
+                <a:lnTo>
+                  <a:pt x="8881650" y="442089"/>
+                </a:lnTo>
+                <a:lnTo>
+                  <a:pt x="9153525" y="421071"/>
+                </a:lnTo>
+                <a:lnTo>
+                  <a:pt x="9429057" y="395849"/>
+                </a:lnTo>
+                <a:lnTo>
+                  <a:pt x="9700932" y="370626"/>
+                </a:lnTo>
+                <a:lnTo>
+                  <a:pt x="9977683" y="341551"/>
+                </a:lnTo>
+                <a:lnTo>
+                  <a:pt x="10255654" y="309673"/>
+                </a:lnTo>
+                <a:lnTo>
+                  <a:pt x="10529967" y="276043"/>
+                </a:lnTo>
+                <a:lnTo>
+                  <a:pt x="10807938" y="236809"/>
+                </a:lnTo>
+                <a:lnTo>
+                  <a:pt x="11084689" y="194772"/>
+                </a:lnTo>
+                <a:lnTo>
+                  <a:pt x="11362660" y="153085"/>
+                </a:lnTo>
+                <a:lnTo>
+                  <a:pt x="11639411" y="104392"/>
+                </a:lnTo>
+                <a:lnTo>
+                  <a:pt x="11914944" y="54648"/>
+                </a:lnTo>
+                <a:lnTo>
+                  <a:pt x="12191695" y="2452"/>
+                </a:lnTo>
+                <a:lnTo>
+                  <a:pt x="12191695" y="2162231"/>
+                </a:lnTo>
+                <a:lnTo>
+                  <a:pt x="12192417" y="2162231"/>
+                </a:lnTo>
+                <a:lnTo>
+                  <a:pt x="12192417" y="5095933"/>
+                </a:lnTo>
+                <a:lnTo>
+                  <a:pt x="0" y="5095933"/>
+                </a:lnTo>
+                <a:lnTo>
+                  <a:pt x="0" y="2791958"/>
+                </a:lnTo>
+                <a:lnTo>
+                  <a:pt x="0" y="2162231"/>
+                </a:lnTo>
+                <a:close/>
+              </a:path>
+            </a:pathLst>
+          </a:custGeom>
+          <a:solidFill>
+            <a:srgbClr val="FFFFFF"/>
+          </a:solidFill>
+          <a:ln>
+            <a:noFill/>
+          </a:ln>
+        </p:spPr>
+      </p:sp>
+      <p:sp>
+        <p:nvSpPr>
+          <p:cNvPr id="14" name="Freeform 7">
+            <a:extLst>
+              <a:ext uri="{FF2B5EF4-FFF2-40B4-BE49-F238E27FC236}">
+                <a16:creationId xmlns:a16="http://schemas.microsoft.com/office/drawing/2014/main" id="{9053E132-12E5-44D2-AA0E-9353E65AC083}"/>
+              </a:ext>
+              <a:ext uri="{C183D7F6-B498-43B3-948B-1728B52AA6E4}">
+                <adec:decorative xmlns:adec="http://schemas.microsoft.com/office/drawing/2017/decorative" val="1"/>
+              </a:ext>
+            </a:extLst>
+          </p:cNvPr>
+          <p:cNvSpPr>
+            <a:spLocks noGrp="1" noRot="1" noChangeAspect="1" noMove="1" noResize="1" noEditPoints="1" noAdjustHandles="1" noChangeArrowheads="1" noChangeShapeType="1" noTextEdit="1"/>
+          </p:cNvSpPr>
+          <p:nvPr>
+            <p:extLst>
+              <p:ext uri="{386F3935-93C4-4BCD-93E2-E3B085C9AB24}">
+                <p16:designElem xmlns:p16="http://schemas.microsoft.com/office/powerpoint/2015/main" val="1"/>
+              </p:ext>
+            </p:extLst>
+          </p:nvPr>
+        </p:nvSpPr>
+        <p:spPr>
+          <a:xfrm>
+            <a:off x="8719939" y="1460230"/>
+            <a:ext cx="3472060" cy="825932"/>
+          </a:xfrm>
+          <a:custGeom>
+            <a:avLst/>
+            <a:gdLst>
+              <a:gd name="connsiteX0" fmla="*/ 3470310 w 3472060"/>
+              <a:gd name="connsiteY0" fmla="*/ 0 h 825932"/>
+              <a:gd name="connsiteX1" fmla="*/ 3472060 w 3472060"/>
+              <a:gd name="connsiteY1" fmla="*/ 12850 h 825932"/>
+              <a:gd name="connsiteX2" fmla="*/ 3472060 w 3472060"/>
+              <a:gd name="connsiteY2" fmla="*/ 480529 h 825932"/>
+              <a:gd name="connsiteX3" fmla="*/ 3363699 w 3472060"/>
+              <a:gd name="connsiteY3" fmla="*/ 498471 h 825932"/>
+              <a:gd name="connsiteX4" fmla="*/ 42060 w 3472060"/>
+              <a:gd name="connsiteY4" fmla="*/ 824486 h 825932"/>
+              <a:gd name="connsiteX5" fmla="*/ 0 w 3472060"/>
+              <a:gd name="connsiteY5" fmla="*/ 758452 h 825932"/>
+              <a:gd name="connsiteX6" fmla="*/ 188014 w 3472060"/>
+              <a:gd name="connsiteY6" fmla="*/ 735602 h 825932"/>
+              <a:gd name="connsiteX7" fmla="*/ 284087 w 3472060"/>
+              <a:gd name="connsiteY7" fmla="*/ 722590 h 825932"/>
+              <a:gd name="connsiteX8" fmla="*/ 382288 w 3472060"/>
+              <a:gd name="connsiteY8" fmla="*/ 709392 h 825932"/>
+              <a:gd name="connsiteX9" fmla="*/ 481858 w 3472060"/>
+              <a:gd name="connsiteY9" fmla="*/ 695774 h 825932"/>
+              <a:gd name="connsiteX10" fmla="*/ 581897 w 3472060"/>
+              <a:gd name="connsiteY10" fmla="*/ 680711 h 825932"/>
+              <a:gd name="connsiteX11" fmla="*/ 683670 w 3472060"/>
+              <a:gd name="connsiteY11" fmla="*/ 665256 h 825932"/>
+              <a:gd name="connsiteX12" fmla="*/ 787206 w 3472060"/>
+              <a:gd name="connsiteY12" fmla="*/ 649587 h 825932"/>
+              <a:gd name="connsiteX13" fmla="*/ 892019 w 3472060"/>
+              <a:gd name="connsiteY13" fmla="*/ 632968 h 825932"/>
+              <a:gd name="connsiteX14" fmla="*/ 997620 w 3472060"/>
+              <a:gd name="connsiteY14" fmla="*/ 614667 h 825932"/>
+              <a:gd name="connsiteX15" fmla="*/ 1104727 w 3472060"/>
+              <a:gd name="connsiteY15" fmla="*/ 596741 h 825932"/>
+              <a:gd name="connsiteX16" fmla="*/ 1212669 w 3472060"/>
+              <a:gd name="connsiteY16" fmla="*/ 577397 h 825932"/>
+              <a:gd name="connsiteX17" fmla="*/ 1321506 w 3472060"/>
+              <a:gd name="connsiteY17" fmla="*/ 556988 h 825932"/>
+              <a:gd name="connsiteX18" fmla="*/ 1430709 w 3472060"/>
+              <a:gd name="connsiteY18" fmla="*/ 536607 h 825932"/>
+              <a:gd name="connsiteX19" fmla="*/ 1541050 w 3472060"/>
+              <a:gd name="connsiteY19" fmla="*/ 514481 h 825932"/>
+              <a:gd name="connsiteX20" fmla="*/ 1652805 w 3472060"/>
+              <a:gd name="connsiteY20" fmla="*/ 492202 h 825932"/>
+              <a:gd name="connsiteX21" fmla="*/ 1763708 w 3472060"/>
+              <a:gd name="connsiteY21" fmla="*/ 469161 h 825932"/>
+              <a:gd name="connsiteX22" fmla="*/ 1875795 w 3472060"/>
+              <a:gd name="connsiteY22" fmla="*/ 444641 h 825932"/>
+              <a:gd name="connsiteX23" fmla="*/ 1989128 w 3472060"/>
+              <a:gd name="connsiteY23" fmla="*/ 418995 h 825932"/>
+              <a:gd name="connsiteX24" fmla="*/ 2102476 w 3472060"/>
+              <a:gd name="connsiteY24" fmla="*/ 393438 h 825932"/>
+              <a:gd name="connsiteX25" fmla="*/ 2215549 w 3472060"/>
+              <a:gd name="connsiteY25" fmla="*/ 366291 h 825932"/>
+              <a:gd name="connsiteX26" fmla="*/ 2330490 w 3472060"/>
+              <a:gd name="connsiteY26" fmla="*/ 337455 h 825932"/>
+              <a:gd name="connsiteX27" fmla="*/ 2443333 w 3472060"/>
+              <a:gd name="connsiteY27" fmla="*/ 308983 h 825932"/>
+              <a:gd name="connsiteX28" fmla="*/ 2558014 w 3472060"/>
+              <a:gd name="connsiteY28" fmla="*/ 278646 h 825932"/>
+              <a:gd name="connsiteX29" fmla="*/ 2673621 w 3472060"/>
+              <a:gd name="connsiteY29" fmla="*/ 247421 h 825932"/>
+              <a:gd name="connsiteX30" fmla="*/ 2787008 w 3472060"/>
+              <a:gd name="connsiteY30" fmla="*/ 215853 h 825932"/>
+              <a:gd name="connsiteX31" fmla="*/ 2901442 w 3472060"/>
+              <a:gd name="connsiteY31" fmla="*/ 182011 h 825932"/>
+              <a:gd name="connsiteX32" fmla="*/ 3015722 w 3472060"/>
+              <a:gd name="connsiteY32" fmla="*/ 147286 h 825932"/>
+              <a:gd name="connsiteX33" fmla="*/ 3130018 w 3472060"/>
+              <a:gd name="connsiteY33" fmla="*/ 112649 h 825932"/>
+              <a:gd name="connsiteX34" fmla="*/ 3243551 w 3472060"/>
+              <a:gd name="connsiteY34" fmla="*/ 75688 h 825932"/>
+              <a:gd name="connsiteX35" fmla="*/ 3356992 w 3472060"/>
+              <a:gd name="connsiteY35" fmla="*/ 38197 h 825932"/>
+              <a:gd name="connsiteX36" fmla="*/ 3470310 w 3472060"/>
+              <a:gd name="connsiteY36" fmla="*/ 0 h 825932"/>
+            </a:gdLst>
+            <a:ahLst/>
+            <a:cxnLst>
+              <a:cxn ang="0">
+                <a:pos x="connsiteX0" y="connsiteY0"/>
+              </a:cxn>
+              <a:cxn ang="0">
+                <a:pos x="connsiteX1" y="connsiteY1"/>
+              </a:cxn>
+              <a:cxn ang="0">
+                <a:pos x="connsiteX2" y="connsiteY2"/>
+              </a:cxn>
+              <a:cxn ang="0">
+                <a:pos x="connsiteX3" y="connsiteY3"/>
+              </a:cxn>
+              <a:cxn ang="0">
+                <a:pos x="connsiteX4" y="connsiteY4"/>
+              </a:cxn>
+              <a:cxn ang="0">
+                <a:pos x="connsiteX5" y="connsiteY5"/>
+              </a:cxn>
+              <a:cxn ang="0">
+                <a:pos x="connsiteX6" y="connsiteY6"/>
+              </a:cxn>
+              <a:cxn ang="0">
+                <a:pos x="connsiteX7" y="connsiteY7"/>
+              </a:cxn>
+              <a:cxn ang="0">
+                <a:pos x="connsiteX8" y="connsiteY8"/>
+              </a:cxn>
+              <a:cxn ang="0">
+                <a:pos x="connsiteX9" y="connsiteY9"/>
+              </a:cxn>
+              <a:cxn ang="0">
+                <a:pos x="connsiteX10" y="connsiteY10"/>
+              </a:cxn>
+              <a:cxn ang="0">
+                <a:pos x="connsiteX11" y="connsiteY11"/>
+              </a:cxn>
+              <a:cxn ang="0">
+                <a:pos x="connsiteX12" y="connsiteY12"/>
+              </a:cxn>
+              <a:cxn ang="0">
+                <a:pos x="connsiteX13" y="connsiteY13"/>
+              </a:cxn>
+              <a:cxn ang="0">
+                <a:pos x="connsiteX14" y="connsiteY14"/>
+              </a:cxn>
+              <a:cxn ang="0">
+                <a:pos x="connsiteX15" y="connsiteY15"/>
+              </a:cxn>
+              <a:cxn ang="0">
+                <a:pos x="connsiteX16" y="connsiteY16"/>
+              </a:cxn>
+              <a:cxn ang="0">
+                <a:pos x="connsiteX17" y="connsiteY17"/>
+              </a:cxn>
+              <a:cxn ang="0">
+                <a:pos x="connsiteX18" y="connsiteY18"/>
+              </a:cxn>
+              <a:cxn ang="0">
+                <a:pos x="connsiteX19" y="connsiteY19"/>
+              </a:cxn>
+              <a:cxn ang="0">
+                <a:pos x="connsiteX20" y="connsiteY20"/>
+              </a:cxn>
+              <a:cxn ang="0">
+                <a:pos x="connsiteX21" y="connsiteY21"/>
+              </a:cxn>
+              <a:cxn ang="0">
+                <a:pos x="connsiteX22" y="connsiteY22"/>
+              </a:cxn>
+              <a:cxn ang="0">
+                <a:pos x="connsiteX23" y="connsiteY23"/>
+              </a:cxn>
+              <a:cxn ang="0">
+                <a:pos x="connsiteX24" y="connsiteY24"/>
+              </a:cxn>
+              <a:cxn ang="0">
+                <a:pos x="connsiteX25" y="connsiteY25"/>
+              </a:cxn>
+              <a:cxn ang="0">
+                <a:pos x="connsiteX26" y="connsiteY26"/>
+              </a:cxn>
+              <a:cxn ang="0">
+                <a:pos x="connsiteX27" y="connsiteY27"/>
+              </a:cxn>
+              <a:cxn ang="0">
+                <a:pos x="connsiteX28" y="connsiteY28"/>
+              </a:cxn>
+              <a:cxn ang="0">
+                <a:pos x="connsiteX29" y="connsiteY29"/>
+              </a:cxn>
+              <a:cxn ang="0">
+                <a:pos x="connsiteX30" y="connsiteY30"/>
+              </a:cxn>
+              <a:cxn ang="0">
+                <a:pos x="connsiteX31" y="connsiteY31"/>
+              </a:cxn>
+              <a:cxn ang="0">
+                <a:pos x="connsiteX32" y="connsiteY32"/>
+              </a:cxn>
+              <a:cxn ang="0">
+                <a:pos x="connsiteX33" y="connsiteY33"/>
+              </a:cxn>
+              <a:cxn ang="0">
+                <a:pos x="connsiteX34" y="connsiteY34"/>
+              </a:cxn>
+              <a:cxn ang="0">
+                <a:pos x="connsiteX35" y="connsiteY35"/>
+              </a:cxn>
+              <a:cxn ang="0">
+                <a:pos x="connsiteX36" y="connsiteY36"/>
+              </a:cxn>
+            </a:cxnLst>
+            <a:rect l="l" t="t" r="r" b="b"/>
+            <a:pathLst>
+              <a:path w="3472060" h="825932">
+                <a:moveTo>
+                  <a:pt x="3470310" y="0"/>
+                </a:moveTo>
+                <a:lnTo>
+                  <a:pt x="3472060" y="12850"/>
+                </a:lnTo>
+                <a:lnTo>
+                  <a:pt x="3472060" y="480529"/>
+                </a:lnTo>
+                <a:lnTo>
+                  <a:pt x="3363699" y="498471"/>
+                </a:lnTo>
+                <a:cubicBezTo>
+                  <a:pt x="2435623" y="645518"/>
+                  <a:pt x="603076" y="844866"/>
+                  <a:pt x="42060" y="824486"/>
+                </a:cubicBezTo>
+                <a:cubicBezTo>
+                  <a:pt x="28151" y="802425"/>
+                  <a:pt x="13909" y="780513"/>
+                  <a:pt x="0" y="758452"/>
+                </a:cubicBezTo>
+                <a:lnTo>
+                  <a:pt x="188014" y="735602"/>
+                </a:lnTo>
+                <a:lnTo>
+                  <a:pt x="284087" y="722590"/>
+                </a:lnTo>
+                <a:lnTo>
+                  <a:pt x="382288" y="709392"/>
+                </a:lnTo>
+                <a:lnTo>
+                  <a:pt x="481858" y="695774"/>
+                </a:lnTo>
+                <a:lnTo>
+                  <a:pt x="581897" y="680711"/>
+                </a:lnTo>
+                <a:lnTo>
+                  <a:pt x="683670" y="665256"/>
+                </a:lnTo>
+                <a:lnTo>
+                  <a:pt x="787206" y="649587"/>
+                </a:lnTo>
+                <a:lnTo>
+                  <a:pt x="892019" y="632968"/>
+                </a:lnTo>
+                <a:lnTo>
+                  <a:pt x="997620" y="614667"/>
+                </a:lnTo>
+                <a:lnTo>
+                  <a:pt x="1104727" y="596741"/>
+                </a:lnTo>
+                <a:lnTo>
+                  <a:pt x="1212669" y="577397"/>
+                </a:lnTo>
+                <a:lnTo>
+                  <a:pt x="1321506" y="556988"/>
+                </a:lnTo>
+                <a:lnTo>
+                  <a:pt x="1430709" y="536607"/>
+                </a:lnTo>
+                <a:lnTo>
+                  <a:pt x="1541050" y="514481"/>
+                </a:lnTo>
+                <a:lnTo>
+                  <a:pt x="1652805" y="492202"/>
+                </a:lnTo>
+                <a:lnTo>
+                  <a:pt x="1763708" y="469161"/>
+                </a:lnTo>
+                <a:lnTo>
+                  <a:pt x="1875795" y="444641"/>
+                </a:lnTo>
+                <a:lnTo>
+                  <a:pt x="1989128" y="418995"/>
+                </a:lnTo>
+                <a:lnTo>
+                  <a:pt x="2102476" y="393438"/>
+                </a:lnTo>
+                <a:lnTo>
+                  <a:pt x="2215549" y="366291"/>
+                </a:lnTo>
+                <a:lnTo>
+                  <a:pt x="2330490" y="337455"/>
+                </a:lnTo>
+                <a:lnTo>
+                  <a:pt x="2443333" y="308983"/>
+                </a:lnTo>
+                <a:lnTo>
+                  <a:pt x="2558014" y="278646"/>
+                </a:lnTo>
+                <a:lnTo>
+                  <a:pt x="2673621" y="247421"/>
+                </a:lnTo>
+                <a:lnTo>
+                  <a:pt x="2787008" y="215853"/>
+                </a:lnTo>
+                <a:lnTo>
+                  <a:pt x="2901442" y="182011"/>
+                </a:lnTo>
+                <a:lnTo>
+                  <a:pt x="3015722" y="147286"/>
+                </a:lnTo>
+                <a:lnTo>
+                  <a:pt x="3130018" y="112649"/>
+                </a:lnTo>
+                <a:lnTo>
+                  <a:pt x="3243551" y="75688"/>
+                </a:lnTo>
+                <a:lnTo>
+                  <a:pt x="3356992" y="38197"/>
+                </a:lnTo>
+                <a:lnTo>
+                  <a:pt x="3470310" y="0"/>
+                </a:lnTo>
+                <a:close/>
+              </a:path>
+            </a:pathLst>
+          </a:custGeom>
+          <a:solidFill>
+            <a:schemeClr val="tx1">
+              <a:alpha val="20000"/>
+            </a:schemeClr>
+          </a:solidFill>
+          <a:ln>
+            <a:noFill/>
+          </a:ln>
+        </p:spPr>
+        <p:txBody>
+          <a:bodyPr rtlCol="0" anchor="ctr"/>
+          <a:lstStyle/>
+          <a:p>
+            <a:pPr algn="ctr"/>
+            <a:endParaRPr lang="en-US">
+              <a:solidFill>
+                <a:schemeClr val="tx1"/>
+              </a:solidFill>
+            </a:endParaRPr>
+          </a:p>
+        </p:txBody>
+      </p:sp>
+      <p:sp>
+        <p:nvSpPr>
+          <p:cNvPr id="2" name="Title 1">
+            <a:extLst>
+              <a:ext uri="{FF2B5EF4-FFF2-40B4-BE49-F238E27FC236}">
+                <a16:creationId xmlns:a16="http://schemas.microsoft.com/office/drawing/2014/main" id="{39083BFA-B1AE-3547-BA03-4D1459936307}"/>
+              </a:ext>
+            </a:extLst>
+          </p:cNvPr>
+          <p:cNvSpPr>
+            <a:spLocks noGrp="1"/>
+          </p:cNvSpPr>
+          <p:nvPr>
+            <p:ph type="title"/>
+          </p:nvPr>
+        </p:nvSpPr>
+        <p:spPr>
+          <a:xfrm>
+            <a:off x="646111" y="452718"/>
+            <a:ext cx="9404723" cy="1180711"/>
+          </a:xfrm>
+        </p:spPr>
+        <p:txBody>
+          <a:bodyPr>
+            <a:normAutofit/>
+          </a:bodyPr>
+          <a:lstStyle/>
+          <a:p>
+            <a:pPr>
+              <a:lnSpc>
+                <a:spcPct val="90000"/>
+              </a:lnSpc>
+            </a:pPr>
+            <a:r>
+              <a:rPr lang="en-US" sz="3900" dirty="0"/>
+              <a:t>Extended Modeling – Euclidean Distance</a:t>
+            </a:r>
+          </a:p>
+        </p:txBody>
+      </p:sp>
+      <p:sp>
+        <p:nvSpPr>
+          <p:cNvPr id="3" name="Content Placeholder 2">
+            <a:extLst>
+              <a:ext uri="{FF2B5EF4-FFF2-40B4-BE49-F238E27FC236}">
+                <a16:creationId xmlns:a16="http://schemas.microsoft.com/office/drawing/2014/main" id="{75CF7723-D5FE-474C-9E2B-631F0935CF89}"/>
+              </a:ext>
+            </a:extLst>
+          </p:cNvPr>
+          <p:cNvSpPr>
+            <a:spLocks noGrp="1"/>
+          </p:cNvSpPr>
+          <p:nvPr>
+            <p:ph idx="1"/>
+          </p:nvPr>
+        </p:nvSpPr>
+        <p:spPr>
+          <a:xfrm>
+            <a:off x="643855" y="2548281"/>
+            <a:ext cx="5299745" cy="3654389"/>
+          </a:xfrm>
+        </p:spPr>
+        <p:txBody>
+          <a:bodyPr>
+            <a:normAutofit/>
+          </a:bodyPr>
+          <a:lstStyle/>
+          <a:p>
+            <a:pPr>
+              <a:lnSpc>
+                <a:spcPct val="90000"/>
+              </a:lnSpc>
+            </a:pPr>
+            <a:r>
+              <a:rPr lang="en-US" sz="1700" dirty="0">
+                <a:solidFill>
+                  <a:schemeClr val="bg1"/>
+                </a:solidFill>
+              </a:rPr>
+              <a:t>Taylor Swift and the Backstreet Boys are in the same cluster</a:t>
+            </a:r>
+          </a:p>
+          <a:p>
+            <a:pPr>
+              <a:lnSpc>
+                <a:spcPct val="90000"/>
+              </a:lnSpc>
+            </a:pPr>
+            <a:r>
+              <a:rPr lang="en-US" sz="1700" dirty="0" err="1">
+                <a:solidFill>
+                  <a:schemeClr val="bg1"/>
+                </a:solidFill>
+              </a:rPr>
+              <a:t>Nsync</a:t>
+            </a:r>
+            <a:r>
+              <a:rPr lang="en-US" sz="1700" dirty="0">
+                <a:solidFill>
+                  <a:schemeClr val="bg1"/>
+                </a:solidFill>
+              </a:rPr>
+              <a:t> is not in the same cluster as the Backstreet Boys as expected</a:t>
+            </a:r>
+          </a:p>
+          <a:p>
+            <a:pPr>
+              <a:lnSpc>
+                <a:spcPct val="90000"/>
+              </a:lnSpc>
+            </a:pPr>
+            <a:r>
+              <a:rPr lang="en-US" sz="1700" dirty="0">
+                <a:solidFill>
+                  <a:schemeClr val="bg1"/>
+                </a:solidFill>
+              </a:rPr>
+              <a:t>Looking at the Euclidean distance, Backstreet Boys are actually closer to </a:t>
+            </a:r>
+            <a:r>
+              <a:rPr lang="en-US" sz="1700" dirty="0" err="1">
+                <a:solidFill>
+                  <a:schemeClr val="bg1"/>
+                </a:solidFill>
+              </a:rPr>
+              <a:t>Nsync</a:t>
+            </a:r>
+            <a:r>
+              <a:rPr lang="en-US" sz="1700" dirty="0">
+                <a:solidFill>
+                  <a:schemeClr val="bg1"/>
+                </a:solidFill>
+              </a:rPr>
+              <a:t> than they are to Taylor Swift</a:t>
+            </a:r>
+            <a:endParaRPr lang="en-US" sz="1900" dirty="0">
+              <a:solidFill>
+                <a:schemeClr val="bg1"/>
+              </a:solidFill>
+            </a:endParaRPr>
+          </a:p>
+          <a:p>
+            <a:pPr>
+              <a:lnSpc>
+                <a:spcPct val="90000"/>
+              </a:lnSpc>
+            </a:pPr>
+            <a:endParaRPr lang="en-US" sz="1700" dirty="0">
+              <a:solidFill>
+                <a:schemeClr val="bg1"/>
+              </a:solidFill>
+            </a:endParaRPr>
+          </a:p>
+        </p:txBody>
+      </p:sp>
+      <p:graphicFrame>
+        <p:nvGraphicFramePr>
+          <p:cNvPr id="8" name="Table 7">
+            <a:extLst>
+              <a:ext uri="{FF2B5EF4-FFF2-40B4-BE49-F238E27FC236}">
+                <a16:creationId xmlns:a16="http://schemas.microsoft.com/office/drawing/2014/main" id="{B0D98439-210B-B74B-B5DF-252CF9600D50}"/>
+              </a:ext>
+            </a:extLst>
+          </p:cNvPr>
+          <p:cNvGraphicFramePr>
+            <a:graphicFrameLocks noGrp="1"/>
+          </p:cNvGraphicFramePr>
+          <p:nvPr>
+            <p:extLst>
+              <p:ext uri="{D42A27DB-BD31-4B8C-83A1-F6EECF244321}">
+                <p14:modId xmlns:p14="http://schemas.microsoft.com/office/powerpoint/2010/main" val="2469811251"/>
+              </p:ext>
+            </p:extLst>
+          </p:nvPr>
+        </p:nvGraphicFramePr>
+        <p:xfrm>
+          <a:off x="6248400" y="2903349"/>
+          <a:ext cx="5688584" cy="2110026"/>
+        </p:xfrm>
+        <a:graphic>
+          <a:graphicData uri="http://schemas.openxmlformats.org/drawingml/2006/table">
+            <a:tbl>
+              <a:tblPr firstRow="1" firstCol="1" bandRow="1">
+                <a:tableStyleId>{D7AC3CCA-C797-4891-BE02-D94E43425B78}</a:tableStyleId>
+              </a:tblPr>
+              <a:tblGrid>
+                <a:gridCol w="2224762">
+                  <a:extLst>
+                    <a:ext uri="{9D8B030D-6E8A-4147-A177-3AD203B41FA5}">
+                      <a16:colId xmlns:a16="http://schemas.microsoft.com/office/drawing/2014/main" val="645555801"/>
+                    </a:ext>
+                  </a:extLst>
+                </a:gridCol>
+                <a:gridCol w="1042837">
+                  <a:extLst>
+                    <a:ext uri="{9D8B030D-6E8A-4147-A177-3AD203B41FA5}">
+                      <a16:colId xmlns:a16="http://schemas.microsoft.com/office/drawing/2014/main" val="1146302267"/>
+                    </a:ext>
+                  </a:extLst>
+                </a:gridCol>
+                <a:gridCol w="2420985">
+                  <a:extLst>
+                    <a:ext uri="{9D8B030D-6E8A-4147-A177-3AD203B41FA5}">
+                      <a16:colId xmlns:a16="http://schemas.microsoft.com/office/drawing/2014/main" val="44314883"/>
+                    </a:ext>
+                  </a:extLst>
+                </a:gridCol>
+              </a:tblGrid>
+              <a:tr h="398542">
+                <a:tc>
+                  <a:txBody>
+                    <a:bodyPr/>
+                    <a:lstStyle/>
+                    <a:p>
+                      <a:pPr marL="0" marR="0" algn="ctr">
+                        <a:spcBef>
+                          <a:spcPts val="0"/>
+                        </a:spcBef>
+                        <a:spcAft>
+                          <a:spcPts val="0"/>
+                        </a:spcAft>
+                      </a:pPr>
+                      <a:r>
+                        <a:rPr lang="en-US" sz="2000" b="0" dirty="0">
+                          <a:effectLst/>
+                        </a:rPr>
+                        <a:t>Artist</a:t>
+                      </a:r>
+                      <a:endParaRPr lang="en-US" sz="2000" b="0" dirty="0">
+                        <a:effectLst/>
+                        <a:latin typeface="Calibri" panose="020F0502020204030204" pitchFamily="34" charset="0"/>
+                        <a:ea typeface="Calibri" panose="020F0502020204030204" pitchFamily="34" charset="0"/>
+                        <a:cs typeface="Times New Roman" panose="02020603050405020304" pitchFamily="18" charset="0"/>
+                      </a:endParaRPr>
+                    </a:p>
+                  </a:txBody>
+                  <a:tcPr marL="131306" marR="131306" marT="0" marB="0" anchor="ctr"/>
+                </a:tc>
+                <a:tc>
+                  <a:txBody>
+                    <a:bodyPr/>
+                    <a:lstStyle/>
+                    <a:p>
+                      <a:pPr marL="0" marR="0" algn="ctr">
+                        <a:spcBef>
+                          <a:spcPts val="0"/>
+                        </a:spcBef>
+                        <a:spcAft>
+                          <a:spcPts val="0"/>
+                        </a:spcAft>
+                      </a:pPr>
+                      <a:r>
+                        <a:rPr lang="en-US" sz="2000" b="0" dirty="0">
+                          <a:effectLst/>
+                          <a:latin typeface="Calibri" panose="020F0502020204030204" pitchFamily="34" charset="0"/>
+                          <a:ea typeface="Calibri" panose="020F0502020204030204" pitchFamily="34" charset="0"/>
+                          <a:cs typeface="Times New Roman" panose="02020603050405020304" pitchFamily="18" charset="0"/>
+                        </a:rPr>
+                        <a:t>Cluster</a:t>
+                      </a:r>
+                    </a:p>
+                  </a:txBody>
+                  <a:tcPr marL="131306" marR="131306" marT="0" marB="0" anchor="ctr"/>
+                </a:tc>
+                <a:tc>
+                  <a:txBody>
+                    <a:bodyPr/>
+                    <a:lstStyle/>
+                    <a:p>
+                      <a:pPr marL="0" marR="0" algn="ctr">
+                        <a:spcBef>
+                          <a:spcPts val="0"/>
+                        </a:spcBef>
+                        <a:spcAft>
+                          <a:spcPts val="0"/>
+                        </a:spcAft>
+                      </a:pPr>
+                      <a:r>
+                        <a:rPr lang="en-US" sz="2000" b="0" dirty="0">
+                          <a:effectLst/>
+                        </a:rPr>
+                        <a:t>Euclidean Distance to </a:t>
+                      </a:r>
+                      <a:r>
+                        <a:rPr lang="en-US" sz="2000" b="0" dirty="0" err="1">
+                          <a:effectLst/>
+                        </a:rPr>
+                        <a:t>NSync</a:t>
+                      </a:r>
+                      <a:endParaRPr lang="en-US" sz="2000" b="0" dirty="0">
+                        <a:effectLst/>
+                        <a:latin typeface="Calibri" panose="020F0502020204030204" pitchFamily="34" charset="0"/>
+                        <a:ea typeface="Calibri" panose="020F0502020204030204" pitchFamily="34" charset="0"/>
+                        <a:cs typeface="Times New Roman" panose="02020603050405020304" pitchFamily="18" charset="0"/>
+                      </a:endParaRPr>
+                    </a:p>
+                  </a:txBody>
+                  <a:tcPr marL="131306" marR="131306" marT="0" marB="0" anchor="ctr"/>
+                </a:tc>
+                <a:extLst>
+                  <a:ext uri="{0D108BD9-81ED-4DB2-BD59-A6C34878D82A}">
+                    <a16:rowId xmlns:a16="http://schemas.microsoft.com/office/drawing/2014/main" val="4268218755"/>
+                  </a:ext>
+                </a:extLst>
+              </a:tr>
+              <a:tr h="398542">
+                <a:tc>
+                  <a:txBody>
+                    <a:bodyPr/>
+                    <a:lstStyle/>
+                    <a:p>
+                      <a:pPr marL="0" marR="0">
+                        <a:spcBef>
+                          <a:spcPts val="0"/>
+                        </a:spcBef>
+                        <a:spcAft>
+                          <a:spcPts val="0"/>
+                        </a:spcAft>
+                      </a:pPr>
+                      <a:r>
+                        <a:rPr lang="en-US" sz="2000" b="0" i="1" kern="1200" dirty="0" err="1">
+                          <a:solidFill>
+                            <a:schemeClr val="dk1"/>
+                          </a:solidFill>
+                          <a:effectLst/>
+                          <a:latin typeface="+mn-lt"/>
+                          <a:ea typeface="+mn-ea"/>
+                          <a:cs typeface="+mn-cs"/>
+                        </a:rPr>
+                        <a:t>NSync</a:t>
+                      </a:r>
+                      <a:endParaRPr lang="en-US" sz="2000" b="0" i="1" kern="1200" dirty="0">
+                        <a:solidFill>
+                          <a:schemeClr val="dk1"/>
+                        </a:solidFill>
+                        <a:effectLst/>
+                        <a:latin typeface="+mn-lt"/>
+                        <a:ea typeface="+mn-ea"/>
+                        <a:cs typeface="+mn-cs"/>
+                      </a:endParaRPr>
+                    </a:p>
+                  </a:txBody>
+                  <a:tcPr marL="131306" marR="131306" marT="0" marB="0"/>
+                </a:tc>
+                <a:tc>
+                  <a:txBody>
+                    <a:bodyPr/>
+                    <a:lstStyle/>
+                    <a:p>
+                      <a:pPr marL="0" marR="0" algn="ctr">
+                        <a:spcBef>
+                          <a:spcPts val="0"/>
+                        </a:spcBef>
+                        <a:spcAft>
+                          <a:spcPts val="0"/>
+                        </a:spcAft>
+                      </a:pPr>
+                      <a:r>
+                        <a:rPr lang="en-US" sz="2000" b="0" i="1" kern="1200" dirty="0">
+                          <a:solidFill>
+                            <a:schemeClr val="dk1"/>
+                          </a:solidFill>
+                          <a:effectLst/>
+                          <a:latin typeface="+mn-lt"/>
+                          <a:ea typeface="+mn-ea"/>
+                          <a:cs typeface="+mn-cs"/>
+                        </a:rPr>
+                        <a:t>9</a:t>
+                      </a:r>
+                    </a:p>
+                  </a:txBody>
+                  <a:tcPr marL="131306" marR="131306" marT="0" marB="0"/>
+                </a:tc>
+                <a:tc>
+                  <a:txBody>
+                    <a:bodyPr/>
+                    <a:lstStyle/>
+                    <a:p>
+                      <a:pPr marL="0" marR="0" algn="ctr">
+                        <a:spcBef>
+                          <a:spcPts val="0"/>
+                        </a:spcBef>
+                        <a:spcAft>
+                          <a:spcPts val="0"/>
+                        </a:spcAft>
+                      </a:pPr>
+                      <a:r>
+                        <a:rPr lang="en-US" sz="2000" b="0" i="1" kern="1200" dirty="0">
+                          <a:solidFill>
+                            <a:schemeClr val="dk1"/>
+                          </a:solidFill>
+                          <a:effectLst/>
+                          <a:latin typeface="+mn-lt"/>
+                          <a:ea typeface="+mn-ea"/>
+                          <a:cs typeface="+mn-cs"/>
+                        </a:rPr>
+                        <a:t>-</a:t>
+                      </a:r>
+                    </a:p>
+                  </a:txBody>
+                  <a:tcPr marL="131306" marR="131306" marT="0" marB="0"/>
+                </a:tc>
+                <a:extLst>
+                  <a:ext uri="{0D108BD9-81ED-4DB2-BD59-A6C34878D82A}">
+                    <a16:rowId xmlns:a16="http://schemas.microsoft.com/office/drawing/2014/main" val="2784872732"/>
+                  </a:ext>
+                </a:extLst>
+              </a:tr>
+              <a:tr h="398542">
+                <a:tc>
+                  <a:txBody>
+                    <a:bodyPr/>
+                    <a:lstStyle/>
+                    <a:p>
+                      <a:pPr marL="0" marR="0">
+                        <a:spcBef>
+                          <a:spcPts val="0"/>
+                        </a:spcBef>
+                        <a:spcAft>
+                          <a:spcPts val="0"/>
+                        </a:spcAft>
+                      </a:pPr>
+                      <a:r>
+                        <a:rPr lang="en-US" sz="2000" b="0" dirty="0">
+                          <a:effectLst/>
+                        </a:rPr>
+                        <a:t>Taylor Swift</a:t>
+                      </a:r>
+                      <a:endParaRPr lang="en-US" sz="2000" b="0" dirty="0">
+                        <a:effectLst/>
+                        <a:latin typeface="Calibri" panose="020F0502020204030204" pitchFamily="34" charset="0"/>
+                        <a:ea typeface="Calibri" panose="020F0502020204030204" pitchFamily="34" charset="0"/>
+                        <a:cs typeface="Times New Roman" panose="02020603050405020304" pitchFamily="18" charset="0"/>
+                      </a:endParaRPr>
+                    </a:p>
+                  </a:txBody>
+                  <a:tcPr marL="131306" marR="131306" marT="0" marB="0"/>
+                </a:tc>
+                <a:tc>
+                  <a:txBody>
+                    <a:bodyPr/>
+                    <a:lstStyle/>
+                    <a:p>
+                      <a:pPr marL="0" marR="0" algn="ctr">
+                        <a:spcBef>
+                          <a:spcPts val="0"/>
+                        </a:spcBef>
+                        <a:spcAft>
+                          <a:spcPts val="0"/>
+                        </a:spcAft>
+                      </a:pPr>
+                      <a:r>
+                        <a:rPr lang="en-US" sz="2000" b="0" dirty="0">
+                          <a:effectLst/>
+                          <a:latin typeface="Calibri" panose="020F0502020204030204" pitchFamily="34" charset="0"/>
+                          <a:ea typeface="Calibri" panose="020F0502020204030204" pitchFamily="34" charset="0"/>
+                          <a:cs typeface="Times New Roman" panose="02020603050405020304" pitchFamily="18" charset="0"/>
+                        </a:rPr>
+                        <a:t>9</a:t>
+                      </a:r>
+                    </a:p>
+                  </a:txBody>
+                  <a:tcPr marL="131306" marR="131306" marT="0" marB="0"/>
+                </a:tc>
+                <a:tc>
+                  <a:txBody>
+                    <a:bodyPr/>
+                    <a:lstStyle/>
+                    <a:p>
+                      <a:pPr marL="0" marR="0" algn="ctr">
+                        <a:spcBef>
+                          <a:spcPts val="0"/>
+                        </a:spcBef>
+                        <a:spcAft>
+                          <a:spcPts val="0"/>
+                        </a:spcAft>
+                      </a:pPr>
+                      <a:r>
+                        <a:rPr lang="en-US" sz="2000" dirty="0"/>
+                        <a:t>0.504</a:t>
+                      </a:r>
+                      <a:endParaRPr lang="en-US" sz="2000" b="0" dirty="0">
+                        <a:effectLst/>
+                        <a:latin typeface="Calibri" panose="020F0502020204030204" pitchFamily="34" charset="0"/>
+                        <a:ea typeface="Calibri" panose="020F0502020204030204" pitchFamily="34" charset="0"/>
+                        <a:cs typeface="Times New Roman" panose="02020603050405020304" pitchFamily="18" charset="0"/>
+                      </a:endParaRPr>
+                    </a:p>
+                  </a:txBody>
+                  <a:tcPr marL="131306" marR="131306" marT="0" marB="0"/>
+                </a:tc>
+                <a:extLst>
+                  <a:ext uri="{0D108BD9-81ED-4DB2-BD59-A6C34878D82A}">
+                    <a16:rowId xmlns:a16="http://schemas.microsoft.com/office/drawing/2014/main" val="2262881671"/>
+                  </a:ext>
+                </a:extLst>
+              </a:tr>
+              <a:tr h="398542">
+                <a:tc>
+                  <a:txBody>
+                    <a:bodyPr/>
+                    <a:lstStyle/>
+                    <a:p>
+                      <a:pPr marL="0" marR="0">
+                        <a:spcBef>
+                          <a:spcPts val="0"/>
+                        </a:spcBef>
+                        <a:spcAft>
+                          <a:spcPts val="0"/>
+                        </a:spcAft>
+                      </a:pPr>
+                      <a:r>
+                        <a:rPr lang="en-US" sz="2000" b="0" dirty="0">
+                          <a:effectLst/>
+                        </a:rPr>
+                        <a:t>Backstreet Boys</a:t>
+                      </a:r>
+                      <a:endParaRPr lang="en-US" sz="2000" b="0" dirty="0">
+                        <a:effectLst/>
+                        <a:latin typeface="Calibri" panose="020F0502020204030204" pitchFamily="34" charset="0"/>
+                        <a:ea typeface="Calibri" panose="020F0502020204030204" pitchFamily="34" charset="0"/>
+                        <a:cs typeface="Times New Roman" panose="02020603050405020304" pitchFamily="18" charset="0"/>
+                      </a:endParaRPr>
+                    </a:p>
+                  </a:txBody>
+                  <a:tcPr marL="131306" marR="131306" marT="0" marB="0"/>
+                </a:tc>
+                <a:tc>
+                  <a:txBody>
+                    <a:bodyPr/>
+                    <a:lstStyle/>
+                    <a:p>
+                      <a:pPr marL="0" marR="0" algn="ctr">
+                        <a:spcBef>
+                          <a:spcPts val="0"/>
+                        </a:spcBef>
+                        <a:spcAft>
+                          <a:spcPts val="0"/>
+                        </a:spcAft>
+                      </a:pPr>
+                      <a:r>
+                        <a:rPr lang="en-US" sz="2000" b="0" dirty="0">
+                          <a:effectLst/>
+                          <a:latin typeface="Calibri" panose="020F0502020204030204" pitchFamily="34" charset="0"/>
+                          <a:ea typeface="Calibri" panose="020F0502020204030204" pitchFamily="34" charset="0"/>
+                          <a:cs typeface="Times New Roman" panose="02020603050405020304" pitchFamily="18" charset="0"/>
+                        </a:rPr>
+                        <a:t>21</a:t>
+                      </a:r>
+                    </a:p>
+                  </a:txBody>
+                  <a:tcPr marL="131306" marR="131306" marT="0" marB="0"/>
+                </a:tc>
+                <a:tc>
+                  <a:txBody>
+                    <a:bodyPr/>
+                    <a:lstStyle/>
+                    <a:p>
+                      <a:pPr marL="0" marR="0" algn="ctr">
+                        <a:spcBef>
+                          <a:spcPts val="0"/>
+                        </a:spcBef>
+                        <a:spcAft>
+                          <a:spcPts val="0"/>
+                        </a:spcAft>
+                      </a:pPr>
+                      <a:r>
+                        <a:rPr lang="en-US" sz="2000" dirty="0"/>
+                        <a:t>0.392</a:t>
+                      </a:r>
+                      <a:endParaRPr lang="en-US" sz="2000" b="0" dirty="0">
+                        <a:effectLst/>
+                        <a:latin typeface="Calibri" panose="020F0502020204030204" pitchFamily="34" charset="0"/>
+                        <a:ea typeface="Calibri" panose="020F0502020204030204" pitchFamily="34" charset="0"/>
+                        <a:cs typeface="Times New Roman" panose="02020603050405020304" pitchFamily="18" charset="0"/>
+                      </a:endParaRPr>
+                    </a:p>
+                  </a:txBody>
+                  <a:tcPr marL="131306" marR="131306" marT="0" marB="0"/>
+                </a:tc>
+                <a:extLst>
+                  <a:ext uri="{0D108BD9-81ED-4DB2-BD59-A6C34878D82A}">
+                    <a16:rowId xmlns:a16="http://schemas.microsoft.com/office/drawing/2014/main" val="2500153365"/>
+                  </a:ext>
+                </a:extLst>
+              </a:tr>
+            </a:tbl>
+          </a:graphicData>
+        </a:graphic>
+      </p:graphicFrame>
+    </p:spTree>
+    <p:extLst>
+      <p:ext uri="{BB962C8B-B14F-4D97-AF65-F5344CB8AC3E}">
+        <p14:creationId xmlns:p14="http://schemas.microsoft.com/office/powerpoint/2010/main" val="4131637463"/>
+      </p:ext>
+    </p:extLst>
+  </p:cSld>
+  <p:clrMapOvr>
+    <a:masterClrMapping/>
+  </p:clrMapOvr>
+</p:sld>
+</file>
+
+<file path=ppt/slides/slide16.xml><?xml version="1.0" encoding="utf-8"?>
 <p:sld xmlns:a="http://schemas.openxmlformats.org/drawingml/2006/main" xmlns:r="http://schemas.openxmlformats.org/officeDocument/2006/relationships" xmlns:p="http://schemas.openxmlformats.org/presentationml/2006/main">
   <p:cSld>
     <p:bg>
@@ -26107,13 +27594,13 @@
         </p:spPr>
         <p:txBody>
           <a:bodyPr>
-            <a:normAutofit/>
+            <a:normAutofit fontScale="77500" lnSpcReduction="20000"/>
           </a:bodyPr>
           <a:lstStyle/>
           <a:p>
             <a:pPr>
               <a:lnSpc>
-                <a:spcPct val="90000"/>
+                <a:spcPct val="120000"/>
               </a:lnSpc>
               <a:buClr>
                 <a:schemeClr val="tx2">
@@ -26144,7 +27631,7 @@
           <a:p>
             <a:pPr>
               <a:lnSpc>
-                <a:spcPct val="90000"/>
+                <a:spcPct val="120000"/>
               </a:lnSpc>
               <a:buClr>
                 <a:schemeClr val="tx2">
@@ -26161,7 +27648,7 @@
           <a:p>
             <a:pPr>
               <a:lnSpc>
-                <a:spcPct val="90000"/>
+                <a:spcPct val="120000"/>
               </a:lnSpc>
               <a:buClr>
                 <a:schemeClr val="tx2">
@@ -26173,6 +27660,23 @@
             <a:r>
               <a:rPr lang="en-US" dirty="0"/>
               <a:t>Below is a screenshot, but please click on the link above for a more interactive experience.</a:t>
+            </a:r>
+          </a:p>
+          <a:p>
+            <a:pPr lvl="1">
+              <a:lnSpc>
+                <a:spcPct val="120000"/>
+              </a:lnSpc>
+              <a:buClr>
+                <a:schemeClr val="tx2">
+                  <a:lumMod val="40000"/>
+                  <a:lumOff val="60000"/>
+                </a:schemeClr>
+              </a:buClr>
+            </a:pPr>
+            <a:r>
+              <a:rPr lang="en-US" dirty="0"/>
+              <a:t>While exploring this plot, a lot of comedians are clustered in the lower left portion of the plot (clusters 6 and 19). This also confirms that our clustering is accurate.</a:t>
             </a:r>
           </a:p>
         </p:txBody>
